--- a/events/2020-04-16/05-SARTRAS.pptx
+++ b/events/2020-04-16/05-SARTRAS.pptx
@@ -196,7 +196,7 @@
             <a:fld id="{35305EB0-020F-4995-961E-A35B2BB78D2B}" type="datetimeFigureOut">
               <a:rPr kumimoji="1" lang="ja-JP" altLang="en-US" smtClean="0"/>
               <a:pPr/>
-              <a:t>2020/4/13</a:t>
+              <a:t>2020/4/16</a:t>
             </a:fld>
             <a:endParaRPr kumimoji="1" lang="ja-JP" altLang="en-US"/>
           </a:p>
@@ -52362,28 +52362,14 @@
               <a:rPr lang="en-US" altLang="ja-JP" dirty="0" smtClean="0">
                 <a:hlinkClick r:id="rId2"/>
               </a:rPr>
-              <a:t>https://sartras.or.jp/archives/20200406</a:t>
-            </a:r>
-            <a:r>
-              <a:rPr lang="en-US" altLang="ja-JP" dirty="0" smtClean="0">
-                <a:hlinkClick r:id="rId2"/>
-              </a:rPr>
-              <a:t>/</a:t>
+              <a:t>https://sartras.or.jp/archives/20200406/</a:t>
             </a:r>
             <a:endParaRPr lang="en-US" altLang="ja-JP" dirty="0" smtClean="0"/>
           </a:p>
           <a:p>
             <a:r>
               <a:rPr lang="ja-JP" altLang="en-US" dirty="0" smtClean="0"/>
-              <a:t>本日</a:t>
-            </a:r>
-            <a:r>
-              <a:rPr lang="ja-JP" altLang="en-US" dirty="0" smtClean="0"/>
-              <a:t>、当協会は、新型コロナウイルス感染症の拡大という緊急事態に伴い、教育機関で急速に需要が高まっているオンラインでの遠隔授業等で著作物が教材として円滑に利用できるよう</a:t>
-            </a:r>
-            <a:r>
-              <a:rPr lang="ja-JP" altLang="en-US" dirty="0" smtClean="0"/>
-              <a:t>、</a:t>
+              <a:t>本日、当協会は、新型コロナウイルス感染症の拡大という緊急事態に伴い、教育機関で急速に需要が高まっているオンラインでの遠隔授業等で著作物が教材として円滑に利用できるよう、</a:t>
             </a:r>
             <a:r>
               <a:rPr lang="en-US" altLang="ja-JP" dirty="0" smtClean="0"/>
@@ -52391,18 +52377,12 @@
             </a:r>
             <a:r>
               <a:rPr lang="ja-JP" altLang="en-US" dirty="0" smtClean="0"/>
-              <a:t>年度</a:t>
-            </a:r>
-            <a:r>
-              <a:rPr lang="ja-JP" altLang="en-US" dirty="0" smtClean="0"/>
-              <a:t>に限った特例として、</a:t>
+              <a:t>年度に限った特例として、</a:t>
             </a:r>
             <a:r>
               <a:rPr lang="ja-JP" altLang="en-US" dirty="0" smtClean="0">
                 <a:solidFill>
-                  <a:schemeClr val="bg2">
-                    <a:lumMod val="50000"/>
-                  </a:schemeClr>
+                  <a:srgbClr val="0070C0"/>
                 </a:solidFill>
               </a:rPr>
               <a:t>「授業目的公衆送信補償金制度」</a:t>
@@ -52414,9 +52394,7 @@
             <a:r>
               <a:rPr lang="ja-JP" altLang="en-US" dirty="0" smtClean="0">
                 <a:solidFill>
-                  <a:schemeClr val="bg2">
-                    <a:lumMod val="50000"/>
-                  </a:schemeClr>
+                  <a:srgbClr val="0070C0"/>
                 </a:solidFill>
               </a:rPr>
               <a:t>「無償」</a:t>
@@ -52567,22 +52545,10 @@
             <a:r>
               <a:rPr lang="ja-JP" altLang="en-US" dirty="0" smtClean="0">
                 <a:solidFill>
-                  <a:schemeClr val="bg2">
-                    <a:lumMod val="50000"/>
-                  </a:schemeClr>
+                  <a:srgbClr val="0070C0"/>
                 </a:solidFill>
               </a:rPr>
-              <a:t>授業目的公衆送信補償金</a:t>
-            </a:r>
-            <a:r>
-              <a:rPr lang="ja-JP" altLang="en-US" dirty="0" smtClean="0">
-                <a:solidFill>
-                  <a:schemeClr val="bg2">
-                    <a:lumMod val="50000"/>
-                  </a:schemeClr>
-                </a:solidFill>
-              </a:rPr>
-              <a:t>制度：</a:t>
+              <a:t>授業目的公衆送信補償金制度：</a:t>
             </a:r>
             <a:r>
               <a:rPr lang="ja-JP" altLang="en-US" dirty="0" smtClean="0">
@@ -52621,15 +52587,7 @@
                   <a:schemeClr val="tx1"/>
                 </a:solidFill>
               </a:rPr>
-              <a:t>法律</a:t>
-            </a:r>
-            <a:r>
-              <a:rPr lang="ja-JP" altLang="en-US" dirty="0" smtClean="0">
-                <a:solidFill>
-                  <a:schemeClr val="tx1"/>
-                </a:solidFill>
-              </a:rPr>
-              <a:t>は公布されていた（</a:t>
+              <a:t>法律は公布されていた（</a:t>
             </a:r>
             <a:r>
               <a:rPr lang="en-US" altLang="ja-JP" dirty="0" smtClean="0">
@@ -52676,15 +52634,7 @@
                   <a:schemeClr val="tx1"/>
                 </a:solidFill>
               </a:rPr>
-              <a:t>この</a:t>
-            </a:r>
-            <a:r>
-              <a:rPr lang="ja-JP" altLang="en-US" dirty="0" smtClean="0">
-                <a:solidFill>
-                  <a:schemeClr val="tx1"/>
-                </a:solidFill>
-              </a:rPr>
-              <a:t>度制度が</a:t>
+              <a:t>この度制度が</a:t>
             </a:r>
             <a:r>
               <a:rPr lang="en-US" altLang="ja-JP" dirty="0" smtClean="0">
@@ -52705,9 +52655,7 @@
             <a:r>
               <a:rPr lang="en-US" altLang="ja-JP" dirty="0" smtClean="0">
                 <a:solidFill>
-                  <a:schemeClr val="bg2">
-                    <a:lumMod val="50000"/>
-                  </a:schemeClr>
+                  <a:srgbClr val="0070C0"/>
                 </a:solidFill>
               </a:rPr>
               <a:t>2020</a:t>
@@ -52715,9 +52663,7 @@
             <a:r>
               <a:rPr lang="ja-JP" altLang="en-US" dirty="0" smtClean="0">
                 <a:solidFill>
-                  <a:schemeClr val="bg2">
-                    <a:lumMod val="50000"/>
-                  </a:schemeClr>
+                  <a:srgbClr val="0070C0"/>
                 </a:solidFill>
               </a:rPr>
               <a:t>年度に限り</a:t>
@@ -52725,9 +52671,7 @@
             <a:r>
               <a:rPr kumimoji="1" lang="ja-JP" altLang="en-US" dirty="0" smtClean="0">
                 <a:solidFill>
-                  <a:schemeClr val="bg2">
-                    <a:lumMod val="50000"/>
-                  </a:schemeClr>
+                  <a:srgbClr val="0070C0"/>
                 </a:solidFill>
               </a:rPr>
               <a:t>「補償金」が無償</a:t>
@@ -52883,15 +52827,23 @@
           <a:p>
             <a:r>
               <a:rPr kumimoji="1" lang="ja-JP" altLang="en-US" dirty="0" smtClean="0"/>
-              <a:t>「権利者の利益を不当に害することがない」など当然の</a:t>
+              <a:t>「権利者の</a:t>
+            </a:r>
+            <a:r>
+              <a:rPr kumimoji="1" lang="ja-JP" altLang="en-US" dirty="0" smtClean="0">
+                <a:solidFill>
+                  <a:srgbClr val="FF0000"/>
+                </a:solidFill>
+              </a:rPr>
+              <a:t>利益を不当に害する</a:t>
+            </a:r>
+            <a:r>
+              <a:rPr kumimoji="1" lang="ja-JP" altLang="en-US" dirty="0" smtClean="0"/>
+              <a:t>ことがない」など当然の</a:t>
             </a:r>
             <a:r>
               <a:rPr lang="ja-JP" altLang="en-US" dirty="0" smtClean="0"/>
-              <a:t>注意は</a:t>
-            </a:r>
-            <a:r>
-              <a:rPr lang="ja-JP" altLang="en-US" dirty="0" smtClean="0"/>
-              <a:t>必要</a:t>
+              <a:t>注意は必要</a:t>
             </a:r>
             <a:endParaRPr lang="en-US" altLang="ja-JP" dirty="0" smtClean="0"/>
           </a:p>
@@ -52899,11 +52851,7 @@
             <a:pPr lvl="1"/>
             <a:r>
               <a:rPr kumimoji="1" lang="ja-JP" altLang="en-US" dirty="0" smtClean="0"/>
-              <a:t>教室における利用も</a:t>
-            </a:r>
-            <a:r>
-              <a:rPr kumimoji="1" lang="ja-JP" altLang="en-US" dirty="0" smtClean="0"/>
-              <a:t>同様</a:t>
+              <a:t>教室における利用も同様</a:t>
             </a:r>
             <a:endParaRPr kumimoji="1" lang="en-US" altLang="ja-JP" dirty="0" smtClean="0"/>
           </a:p>
@@ -52914,15 +52862,7 @@
             </a:r>
             <a:r>
               <a:rPr lang="ja-JP" altLang="en-US" dirty="0" smtClean="0"/>
-              <a:t>年度以降の補償金の額を適切に決めるためにも</a:t>
-            </a:r>
-            <a:r>
-              <a:rPr lang="ja-JP" altLang="en-US" dirty="0" smtClean="0"/>
-              <a:t>大学と</a:t>
-            </a:r>
-            <a:r>
-              <a:rPr lang="ja-JP" altLang="en-US" dirty="0" smtClean="0"/>
-              <a:t>して、著作物利用の実態把握への協力も必要ではないか</a:t>
+              <a:t>年度以降の補償金の額を適切に決めるためにも大学として、著作物利用の実態把握への協力も必要ではないか</a:t>
             </a:r>
             <a:endParaRPr kumimoji="1" lang="ja-JP" altLang="en-US" dirty="0"/>
           </a:p>
@@ -53009,7 +52949,7 @@
 <file path=ppt/theme/theme1.xml><?xml version="1.0" encoding="utf-8"?>
 <a:theme xmlns:a="http://schemas.openxmlformats.org/drawingml/2006/main" name="雪藤">
   <a:themeElements>
-    <a:clrScheme name="雪藤">
+    <a:clrScheme name="トラベル">
       <a:dk1>
         <a:sysClr val="windowText" lastClr="000000"/>
       </a:dk1>
@@ -53017,34 +52957,34 @@
         <a:sysClr val="window" lastClr="FFFFFF"/>
       </a:lt1>
       <a:dk2>
-        <a:srgbClr val="000049"/>
+        <a:srgbClr val="4E3B30"/>
       </a:dk2>
       <a:lt2>
-        <a:srgbClr val="E3E8FF"/>
+        <a:srgbClr val="FBEEC9"/>
       </a:lt2>
       <a:accent1>
-        <a:srgbClr val="947098"/>
+        <a:srgbClr val="F0A22E"/>
       </a:accent1>
       <a:accent2>
-        <a:srgbClr val="809E90"/>
+        <a:srgbClr val="A5644E"/>
       </a:accent2>
       <a:accent3>
-        <a:srgbClr val="7574AC"/>
+        <a:srgbClr val="B58B80"/>
       </a:accent3>
       <a:accent4>
-        <a:srgbClr val="A4715D"/>
+        <a:srgbClr val="C3986D"/>
       </a:accent4>
       <a:accent5>
-        <a:srgbClr val="9E9E78"/>
+        <a:srgbClr val="A19574"/>
       </a:accent5>
       <a:accent6>
-        <a:srgbClr val="6079A4"/>
+        <a:srgbClr val="C17529"/>
       </a:accent6>
       <a:hlink>
-        <a:srgbClr val="0000FF"/>
+        <a:srgbClr val="AD1F1F"/>
       </a:hlink>
       <a:folHlink>
-        <a:srgbClr val="800080"/>
+        <a:srgbClr val="FFC42F"/>
       </a:folHlink>
     </a:clrScheme>
     <a:fontScheme name="ユーザー定義 1">

--- a/events/2020-04-16/05-SARTRAS.pptx
+++ b/events/2020-04-16/05-SARTRAS.pptx
@@ -52556,7 +52556,39 @@
                   <a:schemeClr val="tx1"/>
                 </a:solidFill>
               </a:rPr>
-              <a:t>授業目的での著作物利用にあたりいちいち権利者に許諾を取る代わりに「補償金」を管理団体（</a:t>
+              <a:t>授業目的での著作物利用に</a:t>
+            </a:r>
+            <a:r>
+              <a:rPr lang="ja-JP" altLang="en-US" dirty="0" smtClean="0">
+                <a:solidFill>
+                  <a:schemeClr val="tx1"/>
+                </a:solidFill>
+              </a:rPr>
+              <a:t>あたり</a:t>
+            </a:r>
+            <a:r>
+              <a:rPr lang="ja-JP" altLang="en-US" dirty="0" smtClean="0">
+                <a:solidFill>
+                  <a:schemeClr val="tx1"/>
+                </a:solidFill>
+              </a:rPr>
+              <a:t>個別に</a:t>
+            </a:r>
+            <a:r>
+              <a:rPr lang="ja-JP" altLang="en-US" dirty="0" smtClean="0">
+                <a:solidFill>
+                  <a:schemeClr val="tx1"/>
+                </a:solidFill>
+              </a:rPr>
+              <a:t>権利者</a:t>
+            </a:r>
+            <a:r>
+              <a:rPr lang="ja-JP" altLang="en-US" dirty="0" smtClean="0">
+                <a:solidFill>
+                  <a:schemeClr val="tx1"/>
+                </a:solidFill>
+              </a:rPr>
+              <a:t>に許諾を取る代わりに「補償金」を管理団体（</a:t>
             </a:r>
             <a:r>
               <a:rPr lang="en-US" altLang="ja-JP" dirty="0" smtClean="0">
